--- a/2_data_exploration/MLPC2025_team-observe_task-02-data-exploration_presentation.pptx
+++ b/2_data_exploration/MLPC2025_team-observe_task-02-data-exploration_presentation.pptx
@@ -252,6 +252,11 @@
       </a:defRPr>
     </a:lvl9pPr>
   </p:defaultTextStyle>
+  <p:extLst>
+    <p:ext uri="{EFAFB233-063F-42B5-8137-9DF3F51BA10A}">
+      <p15:sldGuideLst xmlns:p15="http://schemas.microsoft.com/office/powerpoint/2012/main"/>
+    </p:ext>
+  </p:extLst>
 </p:presentation>
 </file>
 
@@ -17840,7 +17845,11 @@
             </a:r>
             <a:r>
               <a:rPr lang="af-ZA" sz="2500" dirty="0" smtClean="0"/>
-              <a:t>clusters</a:t>
+              <a:t>clusters.</a:t>
+            </a:r>
+            <a:r>
+              <a:rPr lang="af-ZA" sz="2500" dirty="0" smtClean="0"/>
+              <a:t/>
             </a:r>
             <a:br>
               <a:rPr lang="af-ZA" sz="2500" dirty="0" smtClean="0"/>
@@ -17865,7 +17874,11 @@
             </a:r>
             <a:r>
               <a:rPr lang="af-ZA" sz="2500" dirty="0" smtClean="0"/>
-              <a:t>space </a:t>
+              <a:t>space. </a:t>
+            </a:r>
+            <a:r>
+              <a:rPr lang="af-ZA" sz="2500" dirty="0" smtClean="0"/>
+              <a:t/>
             </a:r>
             <a:br>
               <a:rPr lang="af-ZA" sz="2500" dirty="0" smtClean="0"/>
@@ -17886,11 +17899,15 @@
             </a:pPr>
             <a:r>
               <a:rPr lang="af-ZA" sz="2500" dirty="0"/>
-              <a:t>The majority of text clusters aligned with one or more audio clusters, indicating a strong relationship between semantic meaning and sound </a:t>
+              <a:t>The majority of text clusters aligned with one or more audio clusters, indicating a strong relationship between semantic meaning and </a:t>
             </a:r>
             <a:r>
-              <a:rPr lang="af-ZA" sz="2500" dirty="0" smtClean="0"/>
-              <a:t>similarity </a:t>
+              <a:rPr lang="af-ZA" sz="2500"/>
+              <a:t>sound </a:t>
+            </a:r>
+            <a:r>
+              <a:rPr lang="af-ZA" sz="2500" smtClean="0"/>
+              <a:t>similarity. </a:t>
             </a:r>
             <a:endParaRPr sz="2500" dirty="0"/>
           </a:p>
